--- a/DAAA2A02-2112589-LimHur-Regression.pptx
+++ b/DAAA2A02-2112589-LimHur-Regression.pptx
@@ -288,6 +288,193 @@
     </p:ext>
   </p:extLst>
 </p:presentation>
+</file>
+
+<file path=ppt/changesInfos/changesInfo1.xml><?xml version="1.0" encoding="utf-8"?>
+<pc:chgInfo xmlns:a="http://schemas.openxmlformats.org/drawingml/2006/main" xmlns:r="http://schemas.openxmlformats.org/officeDocument/2006/relationships" xmlns:ac="http://schemas.microsoft.com/office/drawing/2013/main/command" xmlns:pc="http://schemas.microsoft.com/office/powerpoint/2013/main/command">
+  <pc:docChgLst>
+    <pc:chgData name="LIM HUR" userId="6af28d70-dd6d-4d11-b254-59f06a27fcc2" providerId="ADAL" clId="{98A079E8-FAF3-4DCE-9A8F-1286F9C5CBFD}"/>
+    <pc:docChg chg="undo redo custSel modSld">
+      <pc:chgData name="LIM HUR" userId="6af28d70-dd6d-4d11-b254-59f06a27fcc2" providerId="ADAL" clId="{98A079E8-FAF3-4DCE-9A8F-1286F9C5CBFD}" dt="2022-06-29T15:40:53.495" v="296" actId="20577"/>
+      <pc:docMkLst>
+        <pc:docMk/>
+      </pc:docMkLst>
+      <pc:sldChg chg="modSp mod">
+        <pc:chgData name="LIM HUR" userId="6af28d70-dd6d-4d11-b254-59f06a27fcc2" providerId="ADAL" clId="{98A079E8-FAF3-4DCE-9A8F-1286F9C5CBFD}" dt="2022-06-29T13:36:54.788" v="57" actId="20577"/>
+        <pc:sldMkLst>
+          <pc:docMk/>
+          <pc:sldMk cId="3440875124" sldId="332"/>
+        </pc:sldMkLst>
+        <pc:spChg chg="mod">
+          <ac:chgData name="LIM HUR" userId="6af28d70-dd6d-4d11-b254-59f06a27fcc2" providerId="ADAL" clId="{98A079E8-FAF3-4DCE-9A8F-1286F9C5CBFD}" dt="2022-06-29T13:36:54.788" v="57" actId="20577"/>
+          <ac:spMkLst>
+            <pc:docMk/>
+            <pc:sldMk cId="3440875124" sldId="332"/>
+            <ac:spMk id="2" creationId="{863477A1-FB38-4108-B562-EDDA0A7DF4AD}"/>
+          </ac:spMkLst>
+        </pc:spChg>
+        <pc:picChg chg="mod">
+          <ac:chgData name="LIM HUR" userId="6af28d70-dd6d-4d11-b254-59f06a27fcc2" providerId="ADAL" clId="{98A079E8-FAF3-4DCE-9A8F-1286F9C5CBFD}" dt="2022-06-29T13:33:34.121" v="35" actId="1076"/>
+          <ac:picMkLst>
+            <pc:docMk/>
+            <pc:sldMk cId="3440875124" sldId="332"/>
+            <ac:picMk id="8" creationId="{DA974254-C9A5-C818-3597-C9846A969AAB}"/>
+          </ac:picMkLst>
+        </pc:picChg>
+      </pc:sldChg>
+      <pc:sldChg chg="modSp mod">
+        <pc:chgData name="LIM HUR" userId="6af28d70-dd6d-4d11-b254-59f06a27fcc2" providerId="ADAL" clId="{98A079E8-FAF3-4DCE-9A8F-1286F9C5CBFD}" dt="2022-06-29T14:03:35.485" v="72" actId="15"/>
+        <pc:sldMkLst>
+          <pc:docMk/>
+          <pc:sldMk cId="1612598997" sldId="334"/>
+        </pc:sldMkLst>
+        <pc:spChg chg="mod">
+          <ac:chgData name="LIM HUR" userId="6af28d70-dd6d-4d11-b254-59f06a27fcc2" providerId="ADAL" clId="{98A079E8-FAF3-4DCE-9A8F-1286F9C5CBFD}" dt="2022-06-29T14:03:35.485" v="72" actId="15"/>
+          <ac:spMkLst>
+            <pc:docMk/>
+            <pc:sldMk cId="1612598997" sldId="334"/>
+            <ac:spMk id="13" creationId="{325B8921-D971-B312-9371-6D77D06AEE5C}"/>
+          </ac:spMkLst>
+        </pc:spChg>
+      </pc:sldChg>
+      <pc:sldChg chg="addSp modSp mod">
+        <pc:chgData name="LIM HUR" userId="6af28d70-dd6d-4d11-b254-59f06a27fcc2" providerId="ADAL" clId="{98A079E8-FAF3-4DCE-9A8F-1286F9C5CBFD}" dt="2022-06-29T14:03:53.328" v="76" actId="207"/>
+        <pc:sldMkLst>
+          <pc:docMk/>
+          <pc:sldMk cId="2570893570" sldId="335"/>
+        </pc:sldMkLst>
+        <pc:spChg chg="add mod">
+          <ac:chgData name="LIM HUR" userId="6af28d70-dd6d-4d11-b254-59f06a27fcc2" providerId="ADAL" clId="{98A079E8-FAF3-4DCE-9A8F-1286F9C5CBFD}" dt="2022-06-29T14:03:53.328" v="76" actId="207"/>
+          <ac:spMkLst>
+            <pc:docMk/>
+            <pc:sldMk cId="2570893570" sldId="335"/>
+            <ac:spMk id="2" creationId="{3995A870-D613-C708-3D9C-71DF2A0B2A7B}"/>
+          </ac:spMkLst>
+        </pc:spChg>
+      </pc:sldChg>
+      <pc:sldChg chg="modSp mod">
+        <pc:chgData name="LIM HUR" userId="6af28d70-dd6d-4d11-b254-59f06a27fcc2" providerId="ADAL" clId="{98A079E8-FAF3-4DCE-9A8F-1286F9C5CBFD}" dt="2022-06-29T14:21:47.611" v="85" actId="15"/>
+        <pc:sldMkLst>
+          <pc:docMk/>
+          <pc:sldMk cId="3676624478" sldId="338"/>
+        </pc:sldMkLst>
+        <pc:spChg chg="mod">
+          <ac:chgData name="LIM HUR" userId="6af28d70-dd6d-4d11-b254-59f06a27fcc2" providerId="ADAL" clId="{98A079E8-FAF3-4DCE-9A8F-1286F9C5CBFD}" dt="2022-06-29T14:21:47.611" v="85" actId="15"/>
+          <ac:spMkLst>
+            <pc:docMk/>
+            <pc:sldMk cId="3676624478" sldId="338"/>
+            <ac:spMk id="4" creationId="{47E6C6C5-7481-E64B-EEAF-A3BDD7403875}"/>
+          </ac:spMkLst>
+        </pc:spChg>
+      </pc:sldChg>
+      <pc:sldChg chg="modSp mod">
+        <pc:chgData name="LIM HUR" userId="6af28d70-dd6d-4d11-b254-59f06a27fcc2" providerId="ADAL" clId="{98A079E8-FAF3-4DCE-9A8F-1286F9C5CBFD}" dt="2022-06-29T14:21:47.357" v="84" actId="20577"/>
+        <pc:sldMkLst>
+          <pc:docMk/>
+          <pc:sldMk cId="1552290193" sldId="339"/>
+        </pc:sldMkLst>
+        <pc:spChg chg="mod">
+          <ac:chgData name="LIM HUR" userId="6af28d70-dd6d-4d11-b254-59f06a27fcc2" providerId="ADAL" clId="{98A079E8-FAF3-4DCE-9A8F-1286F9C5CBFD}" dt="2022-06-29T14:21:47.357" v="84" actId="20577"/>
+          <ac:spMkLst>
+            <pc:docMk/>
+            <pc:sldMk cId="1552290193" sldId="339"/>
+            <ac:spMk id="5" creationId="{116302EB-E0DB-DBE3-B9C4-B666059F6131}"/>
+          </ac:spMkLst>
+        </pc:spChg>
+      </pc:sldChg>
+      <pc:sldChg chg="modSp mod">
+        <pc:chgData name="LIM HUR" userId="6af28d70-dd6d-4d11-b254-59f06a27fcc2" providerId="ADAL" clId="{98A079E8-FAF3-4DCE-9A8F-1286F9C5CBFD}" dt="2022-06-29T15:28:20.024" v="288" actId="20577"/>
+        <pc:sldMkLst>
+          <pc:docMk/>
+          <pc:sldMk cId="3290974230" sldId="340"/>
+        </pc:sldMkLst>
+        <pc:spChg chg="mod">
+          <ac:chgData name="LIM HUR" userId="6af28d70-dd6d-4d11-b254-59f06a27fcc2" providerId="ADAL" clId="{98A079E8-FAF3-4DCE-9A8F-1286F9C5CBFD}" dt="2022-06-29T15:28:20.024" v="288" actId="20577"/>
+          <ac:spMkLst>
+            <pc:docMk/>
+            <pc:sldMk cId="3290974230" sldId="340"/>
+            <ac:spMk id="8" creationId="{9BA1772A-0550-EA3C-BE31-540E910CF95E}"/>
+          </ac:spMkLst>
+        </pc:spChg>
+      </pc:sldChg>
+      <pc:sldChg chg="modSp mod">
+        <pc:chgData name="LIM HUR" userId="6af28d70-dd6d-4d11-b254-59f06a27fcc2" providerId="ADAL" clId="{98A079E8-FAF3-4DCE-9A8F-1286F9C5CBFD}" dt="2022-06-29T14:32:25.123" v="87" actId="1076"/>
+        <pc:sldMkLst>
+          <pc:docMk/>
+          <pc:sldMk cId="1243811577" sldId="341"/>
+        </pc:sldMkLst>
+        <pc:spChg chg="mod">
+          <ac:chgData name="LIM HUR" userId="6af28d70-dd6d-4d11-b254-59f06a27fcc2" providerId="ADAL" clId="{98A079E8-FAF3-4DCE-9A8F-1286F9C5CBFD}" dt="2022-06-29T14:32:25.123" v="87" actId="1076"/>
+          <ac:spMkLst>
+            <pc:docMk/>
+            <pc:sldMk cId="1243811577" sldId="341"/>
+            <ac:spMk id="8" creationId="{9BA1772A-0550-EA3C-BE31-540E910CF95E}"/>
+          </ac:spMkLst>
+        </pc:spChg>
+      </pc:sldChg>
+      <pc:sldChg chg="modSp mod">
+        <pc:chgData name="LIM HUR" userId="6af28d70-dd6d-4d11-b254-59f06a27fcc2" providerId="ADAL" clId="{98A079E8-FAF3-4DCE-9A8F-1286F9C5CBFD}" dt="2022-06-29T15:03:07.317" v="286" actId="20577"/>
+        <pc:sldMkLst>
+          <pc:docMk/>
+          <pc:sldMk cId="2620599047" sldId="346"/>
+        </pc:sldMkLst>
+        <pc:spChg chg="mod">
+          <ac:chgData name="LIM HUR" userId="6af28d70-dd6d-4d11-b254-59f06a27fcc2" providerId="ADAL" clId="{98A079E8-FAF3-4DCE-9A8F-1286F9C5CBFD}" dt="2022-06-29T15:03:07.317" v="286" actId="20577"/>
+          <ac:spMkLst>
+            <pc:docMk/>
+            <pc:sldMk cId="2620599047" sldId="346"/>
+            <ac:spMk id="4" creationId="{D0C2F59F-BC09-E25A-8D81-F6CBBF53B188}"/>
+          </ac:spMkLst>
+        </pc:spChg>
+      </pc:sldChg>
+      <pc:sldChg chg="modSp mod">
+        <pc:chgData name="LIM HUR" userId="6af28d70-dd6d-4d11-b254-59f06a27fcc2" providerId="ADAL" clId="{98A079E8-FAF3-4DCE-9A8F-1286F9C5CBFD}" dt="2022-06-29T14:39:51.933" v="107" actId="20577"/>
+        <pc:sldMkLst>
+          <pc:docMk/>
+          <pc:sldMk cId="2790368134" sldId="348"/>
+        </pc:sldMkLst>
+        <pc:spChg chg="mod">
+          <ac:chgData name="LIM HUR" userId="6af28d70-dd6d-4d11-b254-59f06a27fcc2" providerId="ADAL" clId="{98A079E8-FAF3-4DCE-9A8F-1286F9C5CBFD}" dt="2022-06-29T14:39:51.933" v="107" actId="20577"/>
+          <ac:spMkLst>
+            <pc:docMk/>
+            <pc:sldMk cId="2790368134" sldId="348"/>
+            <ac:spMk id="4" creationId="{D0C2F59F-BC09-E25A-8D81-F6CBBF53B188}"/>
+          </ac:spMkLst>
+        </pc:spChg>
+      </pc:sldChg>
+      <pc:sldChg chg="modSp mod">
+        <pc:chgData name="LIM HUR" userId="6af28d70-dd6d-4d11-b254-59f06a27fcc2" providerId="ADAL" clId="{98A079E8-FAF3-4DCE-9A8F-1286F9C5CBFD}" dt="2022-06-29T15:40:53.495" v="296" actId="20577"/>
+        <pc:sldMkLst>
+          <pc:docMk/>
+          <pc:sldMk cId="3139589771" sldId="353"/>
+        </pc:sldMkLst>
+        <pc:spChg chg="mod">
+          <ac:chgData name="LIM HUR" userId="6af28d70-dd6d-4d11-b254-59f06a27fcc2" providerId="ADAL" clId="{98A079E8-FAF3-4DCE-9A8F-1286F9C5CBFD}" dt="2022-06-29T15:40:53.495" v="296" actId="20577"/>
+          <ac:spMkLst>
+            <pc:docMk/>
+            <pc:sldMk cId="3139589771" sldId="353"/>
+            <ac:spMk id="5" creationId="{3BA6E42A-9873-A541-2132-DC3E3933AA2D}"/>
+          </ac:spMkLst>
+        </pc:spChg>
+      </pc:sldChg>
+      <pc:sldChg chg="modSp mod">
+        <pc:chgData name="LIM HUR" userId="6af28d70-dd6d-4d11-b254-59f06a27fcc2" providerId="ADAL" clId="{98A079E8-FAF3-4DCE-9A8F-1286F9C5CBFD}" dt="2022-06-29T14:03:37.231" v="74" actId="1076"/>
+        <pc:sldMkLst>
+          <pc:docMk/>
+          <pc:sldMk cId="1296715185" sldId="354"/>
+        </pc:sldMkLst>
+        <pc:spChg chg="mod">
+          <ac:chgData name="LIM HUR" userId="6af28d70-dd6d-4d11-b254-59f06a27fcc2" providerId="ADAL" clId="{98A079E8-FAF3-4DCE-9A8F-1286F9C5CBFD}" dt="2022-06-29T14:03:37.231" v="74" actId="1076"/>
+          <ac:spMkLst>
+            <pc:docMk/>
+            <pc:sldMk cId="1296715185" sldId="354"/>
+            <ac:spMk id="2" creationId="{863477A1-FB38-4108-B562-EDDA0A7DF4AD}"/>
+          </ac:spMkLst>
+        </pc:spChg>
+      </pc:sldChg>
+    </pc:docChg>
+  </pc:docChgLst>
+</pc:chgInfo>
 </file>
 
 <file path=ppt/notesMasters/notesMaster1.xml><?xml version="1.0" encoding="utf-8"?>
@@ -7596,6 +7783,53 @@
           </a:prstGeom>
         </p:spPr>
       </p:pic>
+      <p:sp>
+        <p:nvSpPr>
+          <p:cNvPr id="2" name="Oval 1">
+            <a:extLst>
+              <a:ext uri="{FF2B5EF4-FFF2-40B4-BE49-F238E27FC236}">
+                <a16:creationId xmlns:a16="http://schemas.microsoft.com/office/drawing/2014/main" id="{3995A870-D613-C708-3D9C-71DF2A0B2A7B}"/>
+              </a:ext>
+            </a:extLst>
+          </p:cNvPr>
+          <p:cNvSpPr/>
+          <p:nvPr/>
+        </p:nvSpPr>
+        <p:spPr>
+          <a:xfrm>
+            <a:off x="5901338" y="2866145"/>
+            <a:ext cx="176733" cy="115260"/>
+          </a:xfrm>
+          <a:prstGeom prst="ellipse">
+            <a:avLst/>
+          </a:prstGeom>
+          <a:noFill/>
+        </p:spPr>
+        <p:style>
+          <a:lnRef idx="2">
+            <a:schemeClr val="accent1">
+              <a:shade val="50000"/>
+            </a:schemeClr>
+          </a:lnRef>
+          <a:fillRef idx="1">
+            <a:schemeClr val="accent1"/>
+          </a:fillRef>
+          <a:effectRef idx="0">
+            <a:schemeClr val="accent1"/>
+          </a:effectRef>
+          <a:fontRef idx="minor">
+            <a:schemeClr val="lt1"/>
+          </a:fontRef>
+        </p:style>
+        <p:txBody>
+          <a:bodyPr rtlCol="0" anchor="ctr"/>
+          <a:lstStyle/>
+          <a:p>
+            <a:pPr algn="ctr"/>
+            <a:endParaRPr lang="en-SG"/>
+          </a:p>
+        </p:txBody>
+      </p:sp>
     </p:spTree>
     <p:extLst>
       <p:ext uri="{BB962C8B-B14F-4D97-AF65-F5344CB8AC3E}">
@@ -8295,27 +8529,7 @@
                 <a:effectLst/>
                 <a:latin typeface="+mj-lt"/>
               </a:rPr>
-              <a:t>Intel Xeon CPU series is the most expensive category with prices over 10000, perhaps it has top tier and </a:t>
-            </a:r>
-            <a:r>
-              <a:rPr lang="en-US" sz="1200" b="0" dirty="0" err="1">
-                <a:solidFill>
-                  <a:schemeClr val="tx1"/>
-                </a:solidFill>
-                <a:effectLst/>
-                <a:latin typeface="+mj-lt"/>
-              </a:rPr>
-              <a:t>permium</a:t>
-            </a:r>
-            <a:r>
-              <a:rPr lang="en-US" sz="1200" b="0" dirty="0">
-                <a:solidFill>
-                  <a:schemeClr val="tx1"/>
-                </a:solidFill>
-                <a:effectLst/>
-                <a:latin typeface="+mj-lt"/>
-              </a:rPr>
-              <a:t> in performance, and are usually used by businesses as server class chips.</a:t>
+              <a:t>Intel Xeon CPU series is the most expensive category with prices over 10000, perhaps it has top tier and premium in performance, and are usually used by businesses as server class chips.</a:t>
             </a:r>
           </a:p>
           <a:p>
@@ -8998,7 +9212,7 @@
             </a:r>
           </a:p>
           <a:p>
-            <a:pPr marL="285750" indent="-285750">
+            <a:pPr marL="285750" lvl="1" indent="-285750">
               <a:buFont typeface="Arial" panose="020B0604020202020204" pitchFamily="34" charset="0"/>
               <a:buChar char="•"/>
             </a:pPr>
@@ -9008,7 +9222,7 @@
             </a:r>
           </a:p>
           <a:p>
-            <a:pPr marL="285750" indent="-285750">
+            <a:pPr marL="285750" lvl="1" indent="-285750">
               <a:buFont typeface="Arial" panose="020B0604020202020204" pitchFamily="34" charset="0"/>
               <a:buChar char="•"/>
             </a:pPr>
@@ -9018,7 +9232,7 @@
             </a:r>
           </a:p>
           <a:p>
-            <a:pPr marL="285750" indent="-285750">
+            <a:pPr marL="285750" lvl="1" indent="-285750">
               <a:buFont typeface="Arial" panose="020B0604020202020204" pitchFamily="34" charset="0"/>
               <a:buChar char="•"/>
             </a:pPr>
@@ -9028,7 +9242,7 @@
             </a:r>
           </a:p>
           <a:p>
-            <a:pPr marL="285750" indent="-285750">
+            <a:pPr marL="285750" lvl="1" indent="-285750">
               <a:buFont typeface="Arial" panose="020B0604020202020204" pitchFamily="34" charset="0"/>
               <a:buChar char="•"/>
             </a:pPr>
@@ -9038,7 +9252,7 @@
             </a:r>
           </a:p>
           <a:p>
-            <a:pPr marL="285750" indent="-285750">
+            <a:pPr marL="285750" lvl="1" indent="-285750">
               <a:buFont typeface="Arial" panose="020B0604020202020204" pitchFamily="34" charset="0"/>
               <a:buChar char="•"/>
             </a:pPr>
@@ -9063,7 +9277,7 @@
             </a:r>
           </a:p>
           <a:p>
-            <a:pPr marL="285750" indent="-285750">
+            <a:pPr marL="285750" lvl="1" indent="-285750">
               <a:buFont typeface="Arial" panose="020B0604020202020204" pitchFamily="34" charset="0"/>
               <a:buChar char="•"/>
             </a:pPr>
@@ -11010,8 +11224,25 @@
                 <a:effectLst/>
                 <a:latin typeface="+mj-lt"/>
               </a:rPr>
-              <a:t>Generally, Decision Trees performed the best with a lowest mean absolute percentage error, as well as lowest RMSE.</a:t>
-            </a:r>
+              <a:t>Generally, Decision Trees performed the best with a lowest mean absolute percentage error, as well as lowest </a:t>
+            </a:r>
+            <a:r>
+              <a:rPr lang="en-US" b="0">
+                <a:solidFill>
+                  <a:schemeClr val="tx1"/>
+                </a:solidFill>
+                <a:effectLst/>
+                <a:latin typeface="+mj-lt"/>
+              </a:rPr>
+              <a:t>RMSE.</a:t>
+            </a:r>
+            <a:endParaRPr lang="en-US" b="0" dirty="0">
+              <a:solidFill>
+                <a:schemeClr val="tx1"/>
+              </a:solidFill>
+              <a:effectLst/>
+              <a:latin typeface="+mj-lt"/>
+            </a:endParaRPr>
           </a:p>
           <a:p>
             <a:pPr marL="285750" indent="-285750">
@@ -11706,27 +11937,7 @@
                 <a:effectLst/>
                 <a:latin typeface="+mj-lt"/>
               </a:rPr>
-              <a:t> can perform Feature Selection on our data since we have </a:t>
-            </a:r>
-            <a:r>
-              <a:rPr lang="en-US" b="0">
-                <a:solidFill>
-                  <a:schemeClr val="tx1"/>
-                </a:solidFill>
-                <a:effectLst/>
-                <a:latin typeface="+mj-lt"/>
-              </a:rPr>
-              <a:t>172 features, </a:t>
-            </a:r>
-            <a:r>
-              <a:rPr lang="en-US" b="0" dirty="0">
-                <a:solidFill>
-                  <a:schemeClr val="tx1"/>
-                </a:solidFill>
-                <a:effectLst/>
-                <a:latin typeface="+mj-lt"/>
-              </a:rPr>
-              <a:t>with the goal of removing less relevant features from the data, to avoid our models overfitting to noise as well as attaining a simpler model.</a:t>
+              <a:t> can perform Feature Selection on our data since we have 172 features, with the goal of removing less relevant features from the data, to avoid our models overfitting to noise as well as attaining a simpler model.</a:t>
             </a:r>
           </a:p>
           <a:p>
@@ -12405,16 +12616,15 @@
             </a:r>
           </a:p>
           <a:p>
-            <a:pPr marL="285750" indent="-285750">
-              <a:buFont typeface="Arial" panose="020B0604020202020204" pitchFamily="34" charset="0"/>
-              <a:buChar char="•"/>
-            </a:pPr>
-            <a:endParaRPr lang="en-US" dirty="0">
-              <a:solidFill>
-                <a:schemeClr val="tx1"/>
-              </a:solidFill>
-              <a:latin typeface="+mj-lt"/>
-            </a:endParaRPr>
+            <a:r>
+              <a:rPr lang="en-US" b="1" dirty="0">
+                <a:solidFill>
+                  <a:schemeClr val="tx1"/>
+                </a:solidFill>
+                <a:latin typeface="+mj-lt"/>
+              </a:rPr>
+              <a:t>Scaling methods:</a:t>
+            </a:r>
           </a:p>
           <a:p>
             <a:pPr marL="285750" indent="-285750">
@@ -13901,7 +14111,7 @@
         </p:nvSpPr>
         <p:spPr>
           <a:xfrm>
-            <a:off x="0" y="1536807"/>
+            <a:off x="161432" y="914340"/>
             <a:ext cx="3688336" cy="3323987"/>
           </a:xfrm>
           <a:prstGeom prst="rect">
@@ -14039,7 +14249,7 @@
                 <a:effectLst/>
                 <a:latin typeface="+mj-lt"/>
               </a:rPr>
-              <a:t>RAM &amp; CPU Series deemed as most relevant and important by model</a:t>
+              <a:t>RAM &amp; CPU Series deemed as most relevant and important by model. </a:t>
             </a:r>
           </a:p>
           <a:p>
@@ -16566,7 +16776,7 @@
         <p:spPr>
           <a:xfrm>
             <a:off x="-53788" y="645759"/>
-            <a:ext cx="4049117" cy="3970318"/>
+            <a:ext cx="4049117" cy="4185761"/>
           </a:xfrm>
           <a:prstGeom prst="rect">
             <a:avLst/>
@@ -16643,7 +16853,7 @@
             </a:pPr>
             <a:r>
               <a:rPr lang="en-SG" dirty="0"/>
-              <a:t>‘Custom One hot encode’ SSD and HDD, after removing ‘+’. Such that a PC with 128 SSD space is represented like this:</a:t>
+              <a:t>‘Custom One hot encode’ Hard drive, into columns like SSD and HDD, Flash, hybrid after removing ‘+’. Such that a PC with 128 SSD space is represented like this:</a:t>
             </a:r>
           </a:p>
           <a:p>
@@ -16688,7 +16898,7 @@
             </a:pPr>
             <a:r>
               <a:rPr lang="en-SG" dirty="0"/>
-              <a:t>Extract IPS panel and touchscreen </a:t>
+              <a:t>Extract IPS panel and touchscreen</a:t>
             </a:r>
           </a:p>
           <a:p>
@@ -16729,7 +16939,7 @@
         </p:blipFill>
         <p:spPr>
           <a:xfrm>
-            <a:off x="275920" y="2995086"/>
+            <a:off x="275920" y="3151895"/>
             <a:ext cx="2896004" cy="762106"/>
           </a:xfrm>
           <a:prstGeom prst="rect">
@@ -16977,8 +17187,8 @@
         </p:nvSpPr>
         <p:spPr>
           <a:xfrm>
-            <a:off x="-53788" y="645759"/>
-            <a:ext cx="4049117" cy="3970318"/>
+            <a:off x="113248" y="1035742"/>
+            <a:ext cx="3757124" cy="3323987"/>
           </a:xfrm>
           <a:prstGeom prst="rect">
             <a:avLst/>
@@ -16991,38 +17201,6 @@
           </a:bodyPr>
           <a:lstStyle/>
           <a:p>
-            <a:pPr marL="285750" indent="-285750">
-              <a:buFont typeface="Arial" panose="020B0604020202020204" pitchFamily="34" charset="0"/>
-              <a:buChar char="•"/>
-            </a:pPr>
-            <a:endParaRPr lang="en-SG" dirty="0"/>
-          </a:p>
-          <a:p>
-            <a:pPr marL="285750" indent="-285750">
-              <a:buFont typeface="Arial" panose="020B0604020202020204" pitchFamily="34" charset="0"/>
-              <a:buChar char="•"/>
-            </a:pPr>
-            <a:endParaRPr lang="en-SG" dirty="0"/>
-          </a:p>
-          <a:p>
-            <a:pPr marL="285750" indent="-285750">
-              <a:buFont typeface="Arial" panose="020B0604020202020204" pitchFamily="34" charset="0"/>
-              <a:buChar char="•"/>
-            </a:pPr>
-            <a:endParaRPr lang="en-SG" dirty="0"/>
-          </a:p>
-          <a:p>
-            <a:pPr marL="285750" indent="-285750">
-              <a:buFont typeface="Arial" panose="020B0604020202020204" pitchFamily="34" charset="0"/>
-              <a:buChar char="•"/>
-            </a:pPr>
-            <a:endParaRPr lang="en-SG" dirty="0"/>
-          </a:p>
-          <a:p>
-            <a:pPr marL="285750" indent="-285750">
-              <a:buFont typeface="Arial" panose="020B0604020202020204" pitchFamily="34" charset="0"/>
-              <a:buChar char="•"/>
-            </a:pPr>
             <a:endParaRPr lang="en-SG" dirty="0"/>
           </a:p>
           <a:p>
